--- a/Presentazione_preliminare.pptx
+++ b/Presentazione_preliminare.pptx
@@ -5,18 +5,19 @@
     <p:sldMasterId id="2147483672" r:id="rId1"/>
   </p:sldMasterIdLst>
   <p:notesMasterIdLst>
-    <p:notesMasterId r:id="rId8"/>
+    <p:notesMasterId r:id="rId9"/>
   </p:notesMasterIdLst>
   <p:handoutMasterIdLst>
-    <p:handoutMasterId r:id="rId9"/>
+    <p:handoutMasterId r:id="rId10"/>
   </p:handoutMasterIdLst>
   <p:sldIdLst>
     <p:sldId id="256" r:id="rId2"/>
     <p:sldId id="258" r:id="rId3"/>
-    <p:sldId id="260" r:id="rId4"/>
-    <p:sldId id="262" r:id="rId5"/>
-    <p:sldId id="259" r:id="rId6"/>
-    <p:sldId id="261" r:id="rId7"/>
+    <p:sldId id="263" r:id="rId4"/>
+    <p:sldId id="260" r:id="rId5"/>
+    <p:sldId id="262" r:id="rId6"/>
+    <p:sldId id="259" r:id="rId7"/>
+    <p:sldId id="261" r:id="rId8"/>
   </p:sldIdLst>
   <p:sldSz cx="12192000" cy="6858000"/>
   <p:notesSz cx="6858000" cy="9144000"/>
@@ -925,7 +926,7 @@
     </p:spTree>
     <p:extLst>
       <p:ext uri="{BB962C8B-B14F-4D97-AF65-F5344CB8AC3E}">
-        <p14:creationId xmlns:p14="http://schemas.microsoft.com/office/powerpoint/2010/main" val="2527159717"/>
+        <p14:creationId xmlns:p14="http://schemas.microsoft.com/office/powerpoint/2010/main" val="1435804601"/>
       </p:ext>
     </p:extLst>
   </p:cSld>
@@ -1010,7 +1011,7 @@
     </p:spTree>
     <p:extLst>
       <p:ext uri="{BB962C8B-B14F-4D97-AF65-F5344CB8AC3E}">
-        <p14:creationId xmlns:p14="http://schemas.microsoft.com/office/powerpoint/2010/main" val="2479065736"/>
+        <p14:creationId xmlns:p14="http://schemas.microsoft.com/office/powerpoint/2010/main" val="2527159717"/>
       </p:ext>
     </p:extLst>
   </p:cSld>
@@ -1095,7 +1096,7 @@
     </p:spTree>
     <p:extLst>
       <p:ext uri="{BB962C8B-B14F-4D97-AF65-F5344CB8AC3E}">
-        <p14:creationId xmlns:p14="http://schemas.microsoft.com/office/powerpoint/2010/main" val="293038389"/>
+        <p14:creationId xmlns:p14="http://schemas.microsoft.com/office/powerpoint/2010/main" val="2479065736"/>
       </p:ext>
     </p:extLst>
   </p:cSld>
@@ -1172,6 +1173,91 @@
             <a:fld id="{C6B3AB32-59DF-41F1-9618-EDFBF5049629}" type="slidenum">
               <a:rPr lang="it-IT" smtClean="0"/>
               <a:t>6</a:t>
+            </a:fld>
+            <a:endParaRPr lang="it-IT"/>
+          </a:p>
+        </p:txBody>
+      </p:sp>
+    </p:spTree>
+    <p:extLst>
+      <p:ext uri="{BB962C8B-B14F-4D97-AF65-F5344CB8AC3E}">
+        <p14:creationId xmlns:p14="http://schemas.microsoft.com/office/powerpoint/2010/main" val="293038389"/>
+      </p:ext>
+    </p:extLst>
+  </p:cSld>
+  <p:clrMapOvr>
+    <a:masterClrMapping/>
+  </p:clrMapOvr>
+</p:notes>
+</file>
+
+<file path=ppt/notesSlides/notesSlide7.xml><?xml version="1.0" encoding="utf-8"?>
+<p:notes xmlns:a="http://schemas.openxmlformats.org/drawingml/2006/main" xmlns:r="http://schemas.openxmlformats.org/officeDocument/2006/relationships" xmlns:p="http://schemas.openxmlformats.org/presentationml/2006/main">
+  <p:cSld>
+    <p:spTree>
+      <p:nvGrpSpPr>
+        <p:cNvPr id="1" name=""/>
+        <p:cNvGrpSpPr/>
+        <p:nvPr/>
+      </p:nvGrpSpPr>
+      <p:grpSpPr>
+        <a:xfrm>
+          <a:off x="0" y="0"/>
+          <a:ext cx="0" cy="0"/>
+          <a:chOff x="0" y="0"/>
+          <a:chExt cx="0" cy="0"/>
+        </a:xfrm>
+      </p:grpSpPr>
+      <p:sp>
+        <p:nvSpPr>
+          <p:cNvPr id="2" name="Segnaposto immagine diapositiva 1"/>
+          <p:cNvSpPr>
+            <a:spLocks noGrp="1" noRot="1" noChangeAspect="1"/>
+          </p:cNvSpPr>
+          <p:nvPr>
+            <p:ph type="sldImg"/>
+          </p:nvPr>
+        </p:nvSpPr>
+        <p:spPr/>
+      </p:sp>
+      <p:sp>
+        <p:nvSpPr>
+          <p:cNvPr id="3" name="Segnaposto note 2"/>
+          <p:cNvSpPr>
+            <a:spLocks noGrp="1"/>
+          </p:cNvSpPr>
+          <p:nvPr>
+            <p:ph type="body" idx="1"/>
+          </p:nvPr>
+        </p:nvSpPr>
+        <p:spPr/>
+        <p:txBody>
+          <a:bodyPr/>
+          <a:lstStyle/>
+          <a:p>
+            <a:endParaRPr lang="it-IT" dirty="0"/>
+          </a:p>
+        </p:txBody>
+      </p:sp>
+      <p:sp>
+        <p:nvSpPr>
+          <p:cNvPr id="4" name="Segnaposto numero diapositiva 3"/>
+          <p:cNvSpPr>
+            <a:spLocks noGrp="1"/>
+          </p:cNvSpPr>
+          <p:nvPr>
+            <p:ph type="sldNum" sz="quarter" idx="5"/>
+          </p:nvPr>
+        </p:nvSpPr>
+        <p:spPr/>
+        <p:txBody>
+          <a:bodyPr/>
+          <a:lstStyle/>
+          <a:p>
+            <a:pPr rtl="0"/>
+            <a:fld id="{C6B3AB32-59DF-41F1-9618-EDFBF5049629}" type="slidenum">
+              <a:rPr lang="it-IT" smtClean="0"/>
+              <a:t>7</a:t>
             </a:fld>
             <a:endParaRPr lang="it-IT"/>
           </a:p>
@@ -5511,8 +5597,8 @@
         </p:nvSpPr>
         <p:spPr>
           <a:xfrm>
-            <a:off x="581192" y="2457023"/>
-            <a:ext cx="5121517" cy="3785652"/>
+            <a:off x="581192" y="2476686"/>
+            <a:ext cx="5514808" cy="3351238"/>
           </a:xfrm>
           <a:prstGeom prst="rect">
             <a:avLst/>
@@ -5525,40 +5611,24 @@
           </a:bodyPr>
           <a:lstStyle/>
           <a:p>
+            <a:pPr>
+              <a:lnSpc>
+                <a:spcPct val="150000"/>
+              </a:lnSpc>
+            </a:pPr>
             <a:r>
               <a:rPr lang="it-IT" sz="2400" dirty="0"/>
-              <a:t>Il nostro lavoro si propone di creare una funzione che standardizzi il processo di mapping delle informazioni di un dataset in un ontologia, per poi</a:t>
-            </a:r>
-          </a:p>
-          <a:p>
-            <a:r>
-              <a:rPr lang="it-IT" sz="2400" dirty="0"/>
-              <a:t>addestrare un modello ML sfruttando le informazioni provenienti da entrambi</a:t>
-            </a:r>
-          </a:p>
-          <a:p>
-            <a:r>
-              <a:rPr lang="it-IT" sz="2400" dirty="0"/>
-              <a:t>(arricchendo di fatto il dataset).</a:t>
-            </a:r>
-          </a:p>
-          <a:p>
-            <a:endParaRPr lang="it-IT" sz="2400" dirty="0"/>
-          </a:p>
-          <a:p>
-            <a:r>
-              <a:rPr lang="it-IT" sz="2400" dirty="0"/>
-              <a:t>Nel nostro caso, lo scenario da modellare è quello del Diabete.</a:t>
+              <a:t>Il progetto mira a classificare se un paziente sia affetto o meno da diabete mediante l’utilizzo di modelli di machine learning arricchiti dalle informazioni semantiche offerte da un’ontologia che modella questo scenario </a:t>
             </a:r>
           </a:p>
         </p:txBody>
       </p:sp>
       <p:pic>
         <p:nvPicPr>
-          <p:cNvPr id="16" name="Picture 15" descr="A diagram of a patient&#10;&#10;Description automatically generated">
+          <p:cNvPr id="2" name="Picture 1" descr="A diagram of a patient&#10;&#10;Description automatically generated">
             <a:extLst>
               <a:ext uri="{FF2B5EF4-FFF2-40B4-BE49-F238E27FC236}">
-                <a16:creationId xmlns:a16="http://schemas.microsoft.com/office/drawing/2014/main" id="{6FF4A965-CED9-5B8A-0E07-D218B2170BDD}"/>
+                <a16:creationId xmlns:a16="http://schemas.microsoft.com/office/drawing/2014/main" id="{A96BD78A-11D0-016A-C05F-8B0398978E91}"/>
               </a:ext>
             </a:extLst>
           </p:cNvPr>
@@ -5574,8 +5644,8 @@
         </p:blipFill>
         <p:spPr>
           <a:xfrm>
-            <a:off x="5979524" y="1962606"/>
-            <a:ext cx="5819186" cy="4912138"/>
+            <a:off x="6096000" y="2024520"/>
+            <a:ext cx="5879689" cy="4543428"/>
           </a:xfrm>
           <a:prstGeom prst="rect">
             <a:avLst/>
@@ -5647,17 +5717,17 @@
                   <a:srgbClr val="FFFEFF"/>
                 </a:solidFill>
               </a:rPr>
-              <a:t>APPROCCIO PROPOSTO: PIPELINE DEL MAIN</a:t>
+              <a:t>VISUALIZZAZIONE DELL’ONTOLOGIA</a:t>
             </a:r>
           </a:p>
         </p:txBody>
       </p:sp>
       <p:pic>
         <p:nvPicPr>
-          <p:cNvPr id="3" name="Picture 2" descr="A diagram of a diagram&#10;&#10;Description automatically generated">
+          <p:cNvPr id="16" name="Picture 15" descr="A diagram of a patient&#10;&#10;Description automatically generated">
             <a:extLst>
               <a:ext uri="{FF2B5EF4-FFF2-40B4-BE49-F238E27FC236}">
-                <a16:creationId xmlns:a16="http://schemas.microsoft.com/office/drawing/2014/main" id="{E7430AD0-F759-C7F7-1939-83DB715B54EE}"/>
+                <a16:creationId xmlns:a16="http://schemas.microsoft.com/office/drawing/2014/main" id="{6FF4A965-CED9-5B8A-0E07-D218B2170BDD}"/>
               </a:ext>
             </a:extLst>
           </p:cNvPr>
@@ -5668,13 +5738,13 @@
         </p:nvPicPr>
         <p:blipFill>
           <a:blip r:embed="rId3"/>
-          <a:srcRect l="703" r="3145"/>
+          <a:srcRect l="4709" r="11143"/>
           <a:stretch/>
         </p:blipFill>
         <p:spPr>
           <a:xfrm>
-            <a:off x="0" y="2128223"/>
-            <a:ext cx="12192000" cy="4587209"/>
+            <a:off x="2664542" y="1945862"/>
+            <a:ext cx="6685936" cy="4912138"/>
           </a:xfrm>
           <a:prstGeom prst="rect">
             <a:avLst/>
@@ -5684,7 +5754,7 @@
     </p:spTree>
     <p:extLst>
       <p:ext uri="{BB962C8B-B14F-4D97-AF65-F5344CB8AC3E}">
-        <p14:creationId xmlns:p14="http://schemas.microsoft.com/office/powerpoint/2010/main" val="1994991005"/>
+        <p14:creationId xmlns:p14="http://schemas.microsoft.com/office/powerpoint/2010/main" val="1013185759"/>
       </p:ext>
     </p:extLst>
   </p:cSld>
@@ -5746,7 +5816,7 @@
                   <a:srgbClr val="FFFEFF"/>
                 </a:solidFill>
               </a:rPr>
-              <a:t>APPROCCIO PROPOSTO: PIPELINE DI CREATE EMBEDDING</a:t>
+              <a:t>APPROCCIO PROPOSTO: PIPELINE DEL MAIN</a:t>
             </a:r>
           </a:p>
         </p:txBody>
@@ -5756,7 +5826,7 @@
           <p:cNvPr id="3" name="Picture 2" descr="A diagram of a diagram&#10;&#10;Description automatically generated">
             <a:extLst>
               <a:ext uri="{FF2B5EF4-FFF2-40B4-BE49-F238E27FC236}">
-                <a16:creationId xmlns:a16="http://schemas.microsoft.com/office/drawing/2014/main" id="{BA218612-BCCE-6920-1477-13BD3AC3AA71}"/>
+                <a16:creationId xmlns:a16="http://schemas.microsoft.com/office/drawing/2014/main" id="{E7430AD0-F759-C7F7-1939-83DB715B54EE}"/>
               </a:ext>
             </a:extLst>
           </p:cNvPr>
@@ -5767,13 +5837,13 @@
         </p:nvPicPr>
         <p:blipFill>
           <a:blip r:embed="rId3"/>
-          <a:srcRect t="3453" r="1429" b="12218"/>
+          <a:srcRect l="703" r="3145"/>
           <a:stretch/>
         </p:blipFill>
         <p:spPr>
           <a:xfrm>
-            <a:off x="319417" y="1936955"/>
-            <a:ext cx="11553165" cy="4921046"/>
+            <a:off x="0" y="2128223"/>
+            <a:ext cx="12192000" cy="4587209"/>
           </a:xfrm>
           <a:prstGeom prst="rect">
             <a:avLst/>
@@ -5783,7 +5853,7 @@
     </p:spTree>
     <p:extLst>
       <p:ext uri="{BB962C8B-B14F-4D97-AF65-F5344CB8AC3E}">
-        <p14:creationId xmlns:p14="http://schemas.microsoft.com/office/powerpoint/2010/main" val="3755112111"/>
+        <p14:creationId xmlns:p14="http://schemas.microsoft.com/office/powerpoint/2010/main" val="1994991005"/>
       </p:ext>
     </p:extLst>
   </p:cSld>
@@ -5845,115 +5915,44 @@
                   <a:srgbClr val="FFFEFF"/>
                 </a:solidFill>
               </a:rPr>
-              <a:t>TECHNOLOGY STACK</a:t>
-            </a:r>
-          </a:p>
-        </p:txBody>
-      </p:sp>
-      <p:sp>
-        <p:nvSpPr>
-          <p:cNvPr id="2" name="TextBox 1">
+              <a:t>APPROCCIO PROPOSTO: PIPELINE DI CREATE EMBEDDING</a:t>
+            </a:r>
+          </a:p>
+        </p:txBody>
+      </p:sp>
+      <p:pic>
+        <p:nvPicPr>
+          <p:cNvPr id="3" name="Picture 2" descr="A diagram of a diagram&#10;&#10;Description automatically generated">
             <a:extLst>
               <a:ext uri="{FF2B5EF4-FFF2-40B4-BE49-F238E27FC236}">
-                <a16:creationId xmlns:a16="http://schemas.microsoft.com/office/drawing/2014/main" id="{7446027B-A0D8-6A0F-2EAD-91785A958F72}"/>
+                <a16:creationId xmlns:a16="http://schemas.microsoft.com/office/drawing/2014/main" id="{BA218612-BCCE-6920-1477-13BD3AC3AA71}"/>
               </a:ext>
             </a:extLst>
           </p:cNvPr>
-          <p:cNvSpPr txBox="1"/>
+          <p:cNvPicPr>
+            <a:picLocks noChangeAspect="1"/>
+          </p:cNvPicPr>
           <p:nvPr/>
-        </p:nvSpPr>
-        <p:spPr>
-          <a:xfrm>
-            <a:off x="1273822" y="2494980"/>
-            <a:ext cx="9644356" cy="3046988"/>
+        </p:nvPicPr>
+        <p:blipFill>
+          <a:blip r:embed="rId3"/>
+          <a:srcRect t="3453" r="1429" b="12218"/>
+          <a:stretch/>
+        </p:blipFill>
+        <p:spPr>
+          <a:xfrm>
+            <a:off x="319417" y="1936955"/>
+            <a:ext cx="11553165" cy="4921046"/>
           </a:xfrm>
           <a:prstGeom prst="rect">
             <a:avLst/>
           </a:prstGeom>
-          <a:noFill/>
-        </p:spPr>
-        <p:txBody>
-          <a:bodyPr wrap="square" rtlCol="0">
-            <a:spAutoFit/>
-          </a:bodyPr>
-          <a:lstStyle/>
-          <a:p>
-            <a:pPr marL="342900" indent="-342900">
-              <a:buFont typeface="Arial" panose="020B0604020202020204" pitchFamily="34" charset="0"/>
-              <a:buChar char="•"/>
-            </a:pPr>
-            <a:r>
-              <a:rPr lang="it-IT" sz="2400" dirty="0"/>
-              <a:t>Popoliamo l’ontologia tramite la libreria owlready2</a:t>
-            </a:r>
-          </a:p>
-          <a:p>
-            <a:pPr marL="342900" indent="-342900">
-              <a:buFont typeface="Arial" panose="020B0604020202020204" pitchFamily="34" charset="0"/>
-              <a:buChar char="•"/>
-            </a:pPr>
-            <a:endParaRPr lang="it-IT" sz="2400" dirty="0"/>
-          </a:p>
-          <a:p>
-            <a:pPr marL="342900" indent="-342900">
-              <a:buFont typeface="Arial" panose="020B0604020202020204" pitchFamily="34" charset="0"/>
-              <a:buChar char="•"/>
-            </a:pPr>
-            <a:endParaRPr lang="it-IT" sz="2400" dirty="0"/>
-          </a:p>
-          <a:p>
-            <a:pPr marL="342900" indent="-342900">
-              <a:buFont typeface="Arial" panose="020B0604020202020204" pitchFamily="34" charset="0"/>
-              <a:buChar char="•"/>
-            </a:pPr>
-            <a:r>
-              <a:rPr lang="it-IT" sz="2400" dirty="0"/>
-              <a:t>Creiamo gli </a:t>
-            </a:r>
-            <a:r>
-              <a:rPr lang="it-IT" sz="2400" dirty="0" err="1"/>
-              <a:t>embeddings</a:t>
-            </a:r>
-            <a:r>
-              <a:rPr lang="it-IT" sz="2400" dirty="0"/>
-              <a:t> dell’ontologia popolata grazie al modello OWL2VEC che utilizza un’architettura WORD2VEC</a:t>
-            </a:r>
-          </a:p>
-          <a:p>
-            <a:pPr marL="342900" indent="-342900">
-              <a:buFont typeface="Arial" panose="020B0604020202020204" pitchFamily="34" charset="0"/>
-              <a:buChar char="•"/>
-            </a:pPr>
-            <a:endParaRPr lang="it-IT" sz="2400" dirty="0"/>
-          </a:p>
-          <a:p>
-            <a:pPr marL="342900" indent="-342900">
-              <a:buFont typeface="Arial" panose="020B0604020202020204" pitchFamily="34" charset="0"/>
-              <a:buChar char="•"/>
-            </a:pPr>
-            <a:endParaRPr lang="it-IT" sz="2400" dirty="0"/>
-          </a:p>
-          <a:p>
-            <a:pPr marL="342900" indent="-342900">
-              <a:buFont typeface="Arial" panose="020B0604020202020204" pitchFamily="34" charset="0"/>
-              <a:buChar char="•"/>
-            </a:pPr>
-            <a:r>
-              <a:rPr lang="it-IT" sz="2400" dirty="0"/>
-              <a:t>Addestriamo e creiamo il modello con la libreria </a:t>
-            </a:r>
-            <a:r>
-              <a:rPr lang="it-IT" sz="2400" dirty="0" err="1"/>
-              <a:t>PyTorch</a:t>
-            </a:r>
-            <a:endParaRPr lang="it-IT" sz="2400" dirty="0"/>
-          </a:p>
-        </p:txBody>
-      </p:sp>
+        </p:spPr>
+      </p:pic>
     </p:spTree>
     <p:extLst>
       <p:ext uri="{BB962C8B-B14F-4D97-AF65-F5344CB8AC3E}">
-        <p14:creationId xmlns:p14="http://schemas.microsoft.com/office/powerpoint/2010/main" val="1698939800"/>
+        <p14:creationId xmlns:p14="http://schemas.microsoft.com/office/powerpoint/2010/main" val="3755112111"/>
       </p:ext>
     </p:extLst>
   </p:cSld>
@@ -6015,6 +6014,192 @@
                   <a:srgbClr val="FFFEFF"/>
                 </a:solidFill>
               </a:rPr>
+              <a:t>TECHNOLOGY STACK</a:t>
+            </a:r>
+          </a:p>
+        </p:txBody>
+      </p:sp>
+      <p:sp>
+        <p:nvSpPr>
+          <p:cNvPr id="2" name="TextBox 1">
+            <a:extLst>
+              <a:ext uri="{FF2B5EF4-FFF2-40B4-BE49-F238E27FC236}">
+                <a16:creationId xmlns:a16="http://schemas.microsoft.com/office/drawing/2014/main" id="{7446027B-A0D8-6A0F-2EAD-91785A958F72}"/>
+              </a:ext>
+            </a:extLst>
+          </p:cNvPr>
+          <p:cNvSpPr txBox="1"/>
+          <p:nvPr/>
+        </p:nvSpPr>
+        <p:spPr>
+          <a:xfrm>
+            <a:off x="1273822" y="2652296"/>
+            <a:ext cx="9644356" cy="3046988"/>
+          </a:xfrm>
+          <a:prstGeom prst="rect">
+            <a:avLst/>
+          </a:prstGeom>
+          <a:noFill/>
+        </p:spPr>
+        <p:txBody>
+          <a:bodyPr wrap="square" rtlCol="0">
+            <a:spAutoFit/>
+          </a:bodyPr>
+          <a:lstStyle/>
+          <a:p>
+            <a:pPr marL="342900" indent="-342900">
+              <a:buFont typeface="Arial" panose="020B0604020202020204" pitchFamily="34" charset="0"/>
+              <a:buChar char="•"/>
+            </a:pPr>
+            <a:r>
+              <a:rPr lang="it-IT" sz="2400" dirty="0"/>
+              <a:t>Popoliamo e manipoliamo l’ontologia tramite la libreria owlready2</a:t>
+            </a:r>
+          </a:p>
+          <a:p>
+            <a:pPr marL="342900" indent="-342900">
+              <a:buFont typeface="Arial" panose="020B0604020202020204" pitchFamily="34" charset="0"/>
+              <a:buChar char="•"/>
+            </a:pPr>
+            <a:endParaRPr lang="it-IT" sz="2400" dirty="0"/>
+          </a:p>
+          <a:p>
+            <a:pPr marL="342900" indent="-342900">
+              <a:buFont typeface="Arial" panose="020B0604020202020204" pitchFamily="34" charset="0"/>
+              <a:buChar char="•"/>
+            </a:pPr>
+            <a:r>
+              <a:rPr lang="it-IT" sz="2400" dirty="0"/>
+              <a:t>Gestiamo e manipoliamo il dataset usando </a:t>
+            </a:r>
+            <a:r>
+              <a:rPr lang="it-IT" sz="2400" dirty="0" err="1"/>
+              <a:t>Pandas</a:t>
+            </a:r>
+            <a:r>
+              <a:rPr lang="it-IT" sz="2400" dirty="0"/>
+              <a:t> e </a:t>
+            </a:r>
+            <a:r>
+              <a:rPr lang="it-IT" sz="2400" dirty="0" err="1"/>
+              <a:t>Numpy</a:t>
+            </a:r>
+            <a:endParaRPr lang="it-IT" sz="2400" dirty="0"/>
+          </a:p>
+          <a:p>
+            <a:pPr marL="342900" indent="-342900">
+              <a:buFont typeface="Arial" panose="020B0604020202020204" pitchFamily="34" charset="0"/>
+              <a:buChar char="•"/>
+            </a:pPr>
+            <a:endParaRPr lang="it-IT" sz="2400" dirty="0"/>
+          </a:p>
+          <a:p>
+            <a:pPr marL="342900" indent="-342900">
+              <a:buFont typeface="Arial" panose="020B0604020202020204" pitchFamily="34" charset="0"/>
+              <a:buChar char="•"/>
+            </a:pPr>
+            <a:r>
+              <a:rPr lang="it-IT" sz="2400" dirty="0"/>
+              <a:t>Creiamo gli </a:t>
+            </a:r>
+            <a:r>
+              <a:rPr lang="it-IT" sz="2400" dirty="0" err="1"/>
+              <a:t>embeddings</a:t>
+            </a:r>
+            <a:r>
+              <a:rPr lang="it-IT" sz="2400" dirty="0"/>
+              <a:t> dell’ontologia popolata usando il modello OWL2VEC basato sull’architettura WORD2VEC</a:t>
+            </a:r>
+          </a:p>
+          <a:p>
+            <a:pPr marL="342900" indent="-342900">
+              <a:buFont typeface="Arial" panose="020B0604020202020204" pitchFamily="34" charset="0"/>
+              <a:buChar char="•"/>
+            </a:pPr>
+            <a:endParaRPr lang="it-IT" sz="2400" dirty="0"/>
+          </a:p>
+          <a:p>
+            <a:pPr marL="342900" indent="-342900">
+              <a:buFont typeface="Arial" panose="020B0604020202020204" pitchFamily="34" charset="0"/>
+              <a:buChar char="•"/>
+            </a:pPr>
+            <a:r>
+              <a:rPr lang="it-IT" sz="2400" dirty="0"/>
+              <a:t>Addestriamo e creiamo il modello con la libreria </a:t>
+            </a:r>
+            <a:r>
+              <a:rPr lang="it-IT" sz="2400" dirty="0" err="1"/>
+              <a:t>PyTorch</a:t>
+            </a:r>
+            <a:endParaRPr lang="it-IT" sz="2400" dirty="0"/>
+          </a:p>
+        </p:txBody>
+      </p:sp>
+    </p:spTree>
+    <p:extLst>
+      <p:ext uri="{BB962C8B-B14F-4D97-AF65-F5344CB8AC3E}">
+        <p14:creationId xmlns:p14="http://schemas.microsoft.com/office/powerpoint/2010/main" val="1698939800"/>
+      </p:ext>
+    </p:extLst>
+  </p:cSld>
+  <p:clrMapOvr>
+    <a:masterClrMapping/>
+  </p:clrMapOvr>
+</p:sld>
+</file>
+
+<file path=ppt/slides/slide7.xml><?xml version="1.0" encoding="utf-8"?>
+<p:sld xmlns:a="http://schemas.openxmlformats.org/drawingml/2006/main" xmlns:r="http://schemas.openxmlformats.org/officeDocument/2006/relationships" xmlns:p="http://schemas.openxmlformats.org/presentationml/2006/main">
+  <p:cSld>
+    <p:spTree>
+      <p:nvGrpSpPr>
+        <p:cNvPr id="1" name=""/>
+        <p:cNvGrpSpPr/>
+        <p:nvPr/>
+      </p:nvGrpSpPr>
+      <p:grpSpPr>
+        <a:xfrm>
+          <a:off x="0" y="0"/>
+          <a:ext cx="0" cy="0"/>
+          <a:chOff x="0" y="0"/>
+          <a:chExt cx="0" cy="0"/>
+        </a:xfrm>
+      </p:grpSpPr>
+      <p:sp>
+        <p:nvSpPr>
+          <p:cNvPr id="13" name="Titolo 1">
+            <a:extLst>
+              <a:ext uri="{FF2B5EF4-FFF2-40B4-BE49-F238E27FC236}">
+                <a16:creationId xmlns:a16="http://schemas.microsoft.com/office/drawing/2014/main" id="{E49E6327-9F7C-5056-1A25-3EECD74454F8}"/>
+              </a:ext>
+            </a:extLst>
+          </p:cNvPr>
+          <p:cNvSpPr>
+            <a:spLocks noGrp="1"/>
+          </p:cNvSpPr>
+          <p:nvPr>
+            <p:ph type="title"/>
+          </p:nvPr>
+        </p:nvSpPr>
+        <p:spPr>
+          <a:xfrm>
+            <a:off x="581192" y="790810"/>
+            <a:ext cx="11029616" cy="718870"/>
+          </a:xfrm>
+        </p:spPr>
+        <p:txBody>
+          <a:bodyPr rtlCol="0">
+            <a:normAutofit/>
+          </a:bodyPr>
+          <a:lstStyle/>
+          <a:p>
+            <a:pPr rtl="0"/>
+            <a:r>
+              <a:rPr lang="it-IT" dirty="0">
+                <a:solidFill>
+                  <a:srgbClr val="FFFEFF"/>
+                </a:solidFill>
+              </a:rPr>
               <a:t>OBIETTIVI E SFIDE</a:t>
             </a:r>
           </a:p>
@@ -6034,8 +6219,8 @@
         </p:nvSpPr>
         <p:spPr>
           <a:xfrm>
-            <a:off x="1273822" y="2170516"/>
-            <a:ext cx="9541662" cy="3905236"/>
+            <a:off x="1325169" y="2091857"/>
+            <a:ext cx="9541662" cy="4459234"/>
           </a:xfrm>
           <a:prstGeom prst="rect">
             <a:avLst/>
@@ -6110,7 +6295,7 @@
             </a:r>
             <a:r>
               <a:rPr lang="it-IT" sz="2400" dirty="0"/>
-              <a:t> dell’ontologia per ogni data sample</a:t>
+              <a:t> dell’ontologia precedentemente popolata per ogni data sample</a:t>
             </a:r>
           </a:p>
           <a:p>
